--- a/lesson17.pptx
+++ b/lesson17.pptx
@@ -5,7 +5,7 @@
     <p:sldMasterId id="2147483648" r:id="rId1"/>
   </p:sldMasterIdLst>
   <p:notesMasterIdLst>
-    <p:notesMasterId r:id="rId31"/>
+    <p:notesMasterId r:id="rId33"/>
   </p:notesMasterIdLst>
   <p:sldIdLst>
     <p:sldId id="452" r:id="rId2"/>
@@ -27,16 +27,18 @@
     <p:sldId id="350" r:id="rId18"/>
     <p:sldId id="462" r:id="rId19"/>
     <p:sldId id="420" r:id="rId20"/>
-    <p:sldId id="453" r:id="rId21"/>
-    <p:sldId id="454" r:id="rId22"/>
-    <p:sldId id="400" r:id="rId23"/>
-    <p:sldId id="410" r:id="rId24"/>
-    <p:sldId id="444" r:id="rId25"/>
-    <p:sldId id="465" r:id="rId26"/>
-    <p:sldId id="464" r:id="rId27"/>
-    <p:sldId id="445" r:id="rId28"/>
-    <p:sldId id="450" r:id="rId29"/>
-    <p:sldId id="451" r:id="rId30"/>
+    <p:sldId id="468" r:id="rId21"/>
+    <p:sldId id="469" r:id="rId22"/>
+    <p:sldId id="453" r:id="rId23"/>
+    <p:sldId id="454" r:id="rId24"/>
+    <p:sldId id="400" r:id="rId25"/>
+    <p:sldId id="410" r:id="rId26"/>
+    <p:sldId id="444" r:id="rId27"/>
+    <p:sldId id="465" r:id="rId28"/>
+    <p:sldId id="464" r:id="rId29"/>
+    <p:sldId id="445" r:id="rId30"/>
+    <p:sldId id="450" r:id="rId31"/>
+    <p:sldId id="451" r:id="rId32"/>
   </p:sldIdLst>
   <p:sldSz cx="12192000" cy="6858000"/>
   <p:notesSz cx="6858000" cy="9144000"/>
@@ -237,7 +239,7 @@
             <a:fld id="{85522811-C5C6-42D2-A409-F8556720C93F}" type="datetimeFigureOut">
               <a:rPr lang="uk-UA" smtClean="0"/>
               <a:pPr/>
-              <a:t>07.11.2020</a:t>
+              <a:t>08.11.2020</a:t>
             </a:fld>
             <a:endParaRPr lang="uk-UA"/>
           </a:p>
@@ -685,6 +687,91 @@
 </p:notes>
 </file>
 
+<file path=ppt/notesSlides/notesSlide3.xml><?xml version="1.0" encoding="utf-8"?>
+<p:notes xmlns:a="http://schemas.openxmlformats.org/drawingml/2006/main" xmlns:r="http://schemas.openxmlformats.org/officeDocument/2006/relationships" xmlns:p="http://schemas.openxmlformats.org/presentationml/2006/main">
+  <p:cSld>
+    <p:spTree>
+      <p:nvGrpSpPr>
+        <p:cNvPr id="1" name=""/>
+        <p:cNvGrpSpPr/>
+        <p:nvPr/>
+      </p:nvGrpSpPr>
+      <p:grpSpPr>
+        <a:xfrm>
+          <a:off x="0" y="0"/>
+          <a:ext cx="0" cy="0"/>
+          <a:chOff x="0" y="0"/>
+          <a:chExt cx="0" cy="0"/>
+        </a:xfrm>
+      </p:grpSpPr>
+      <p:sp>
+        <p:nvSpPr>
+          <p:cNvPr id="2" name="Образ слайда 1"/>
+          <p:cNvSpPr>
+            <a:spLocks noGrp="1" noRot="1" noChangeAspect="1"/>
+          </p:cNvSpPr>
+          <p:nvPr>
+            <p:ph type="sldImg"/>
+          </p:nvPr>
+        </p:nvSpPr>
+        <p:spPr/>
+      </p:sp>
+      <p:sp>
+        <p:nvSpPr>
+          <p:cNvPr id="3" name="Заметки 2"/>
+          <p:cNvSpPr>
+            <a:spLocks noGrp="1"/>
+          </p:cNvSpPr>
+          <p:nvPr>
+            <p:ph type="body" idx="1"/>
+          </p:nvPr>
+        </p:nvSpPr>
+        <p:spPr/>
+        <p:txBody>
+          <a:bodyPr/>
+          <a:lstStyle/>
+          <a:p>
+            <a:endParaRPr lang="ru-RU" dirty="0"/>
+          </a:p>
+        </p:txBody>
+      </p:sp>
+      <p:sp>
+        <p:nvSpPr>
+          <p:cNvPr id="4" name="Номер слайда 3"/>
+          <p:cNvSpPr>
+            <a:spLocks noGrp="1"/>
+          </p:cNvSpPr>
+          <p:nvPr>
+            <p:ph type="sldNum" sz="quarter" idx="10"/>
+          </p:nvPr>
+        </p:nvSpPr>
+        <p:spPr/>
+        <p:txBody>
+          <a:bodyPr/>
+          <a:lstStyle/>
+          <a:p>
+            <a:fld id="{B2668688-711B-4328-ACFB-54B46FA90133}" type="slidenum">
+              <a:rPr lang="uk-UA" smtClean="0"/>
+              <a:pPr/>
+              <a:t>21</a:t>
+            </a:fld>
+            <a:endParaRPr lang="uk-UA"/>
+          </a:p>
+        </p:txBody>
+      </p:sp>
+    </p:spTree>
+    <p:extLst>
+      <p:ext uri="{BB962C8B-B14F-4D97-AF65-F5344CB8AC3E}">
+        <p14:creationId xmlns:p14="http://schemas.microsoft.com/office/powerpoint/2010/main" val="466080116"/>
+      </p:ext>
+    </p:extLst>
+  </p:cSld>
+  <p:clrMapOvr>
+    <a:masterClrMapping/>
+  </p:clrMapOvr>
+</p:notes>
+</file>
+
 <file path=ppt/slideLayouts/slideLayout1.xml><?xml version="1.0" encoding="utf-8"?>
 <p:sldLayout xmlns:a="http://schemas.openxmlformats.org/drawingml/2006/main" xmlns:r="http://schemas.openxmlformats.org/officeDocument/2006/relationships" xmlns:p="http://schemas.openxmlformats.org/presentationml/2006/main" type="title" preserve="1">
   <p:cSld name="Титульный слайд">
@@ -867,7 +954,7 @@
             <a:fld id="{0A2E6AC4-C3FE-4E70-88D1-136405B25267}" type="datetime1">
               <a:rPr lang="uk-UA" smtClean="0"/>
               <a:pPr/>
-              <a:t>07.11.2020</a:t>
+              <a:t>08.11.2020</a:t>
             </a:fld>
             <a:endParaRPr lang="uk-UA"/>
           </a:p>
@@ -1034,7 +1121,7 @@
             <a:fld id="{B4D85949-5AE9-41F1-B18C-DA1006B0E8CC}" type="datetime1">
               <a:rPr lang="uk-UA" smtClean="0"/>
               <a:pPr/>
-              <a:t>07.11.2020</a:t>
+              <a:t>08.11.2020</a:t>
             </a:fld>
             <a:endParaRPr lang="uk-UA"/>
           </a:p>
@@ -1211,7 +1298,7 @@
             <a:fld id="{B20C227C-94C5-4BA1-A89C-1C7570144B22}" type="datetime1">
               <a:rPr lang="uk-UA" smtClean="0"/>
               <a:pPr/>
-              <a:t>07.11.2020</a:t>
+              <a:t>08.11.2020</a:t>
             </a:fld>
             <a:endParaRPr lang="uk-UA"/>
           </a:p>
@@ -1378,7 +1465,7 @@
             <a:fld id="{68E2E168-B245-4D8D-8538-B29990DBF87B}" type="datetime1">
               <a:rPr lang="uk-UA" smtClean="0"/>
               <a:pPr/>
-              <a:t>07.11.2020</a:t>
+              <a:t>08.11.2020</a:t>
             </a:fld>
             <a:endParaRPr lang="uk-UA"/>
           </a:p>
@@ -1621,7 +1708,7 @@
             <a:fld id="{356DAF6E-7007-4E61-B36E-794BF232B234}" type="datetime1">
               <a:rPr lang="uk-UA" smtClean="0"/>
               <a:pPr/>
-              <a:t>07.11.2020</a:t>
+              <a:t>08.11.2020</a:t>
             </a:fld>
             <a:endParaRPr lang="uk-UA"/>
           </a:p>
@@ -1906,7 +1993,7 @@
             <a:fld id="{4B2141DD-FE72-44AA-B946-B70892F1F5B7}" type="datetime1">
               <a:rPr lang="uk-UA" smtClean="0"/>
               <a:pPr/>
-              <a:t>07.11.2020</a:t>
+              <a:t>08.11.2020</a:t>
             </a:fld>
             <a:endParaRPr lang="uk-UA"/>
           </a:p>
@@ -2325,7 +2412,7 @@
             <a:fld id="{D1C4DC7C-6CC4-4D1F-A21B-A650800E0532}" type="datetime1">
               <a:rPr lang="uk-UA" smtClean="0"/>
               <a:pPr/>
-              <a:t>07.11.2020</a:t>
+              <a:t>08.11.2020</a:t>
             </a:fld>
             <a:endParaRPr lang="uk-UA"/>
           </a:p>
@@ -2440,7 +2527,7 @@
             <a:fld id="{09E753FA-BE70-4E9D-A1A2-A798C2E22C2C}" type="datetime1">
               <a:rPr lang="uk-UA" smtClean="0"/>
               <a:pPr/>
-              <a:t>07.11.2020</a:t>
+              <a:t>08.11.2020</a:t>
             </a:fld>
             <a:endParaRPr lang="uk-UA"/>
           </a:p>
@@ -2532,7 +2619,7 @@
             <a:fld id="{BC4E9D1B-A194-48C6-B5A1-4C29D0F81227}" type="datetime1">
               <a:rPr lang="uk-UA" smtClean="0"/>
               <a:pPr/>
-              <a:t>07.11.2020</a:t>
+              <a:t>08.11.2020</a:t>
             </a:fld>
             <a:endParaRPr lang="uk-UA"/>
           </a:p>
@@ -2806,7 +2893,7 @@
             <a:fld id="{98DC5B78-3AEE-4E8C-84A2-DF8B252C6B7D}" type="datetime1">
               <a:rPr lang="uk-UA" smtClean="0"/>
               <a:pPr/>
-              <a:t>07.11.2020</a:t>
+              <a:t>08.11.2020</a:t>
             </a:fld>
             <a:endParaRPr lang="uk-UA"/>
           </a:p>
@@ -3056,7 +3143,7 @@
             <a:fld id="{08E6AC05-7690-4D29-B090-15CFA8055B58}" type="datetime1">
               <a:rPr lang="uk-UA" smtClean="0"/>
               <a:pPr/>
-              <a:t>07.11.2020</a:t>
+              <a:t>08.11.2020</a:t>
             </a:fld>
             <a:endParaRPr lang="uk-UA"/>
           </a:p>
@@ -3266,7 +3353,7 @@
             <a:fld id="{C4778AB5-85A2-4D58-9351-A198925B541D}" type="datetime1">
               <a:rPr lang="uk-UA" smtClean="0"/>
               <a:pPr/>
-              <a:t>07.11.2020</a:t>
+              <a:t>08.11.2020</a:t>
             </a:fld>
             <a:endParaRPr lang="uk-UA"/>
           </a:p>
@@ -6674,29 +6761,25 @@
           <a:p>
             <a:pPr algn="ctr"/>
             <a:r>
-              <a:rPr lang="en-US" sz="6000" b="1" dirty="0" smtClean="0"/>
+              <a:rPr lang="en-US" sz="8000" b="1" dirty="0" smtClean="0"/>
               <a:t>8</a:t>
             </a:r>
             <a:r>
-              <a:rPr lang="ru-RU" sz="6000" b="1" dirty="0" smtClean="0"/>
-              <a:t>. Немного практики </a:t>
-            </a:r>
-            <a:r>
-              <a:rPr lang="en-US" sz="6000" b="1" dirty="0" smtClean="0"/>
-              <a:t>#</a:t>
-            </a:r>
-            <a:r>
-              <a:rPr lang="ru-RU" sz="6000" b="1" dirty="0" smtClean="0"/>
-              <a:t>1</a:t>
-            </a:r>
-            <a:endParaRPr lang="uk-UA" sz="6000" b="1" dirty="0"/>
+              <a:rPr lang="ru-RU" sz="8000" b="1" dirty="0" smtClean="0"/>
+              <a:t>. </a:t>
+            </a:r>
+            <a:r>
+              <a:rPr lang="en-US" sz="8000" b="1" dirty="0" smtClean="0"/>
+              <a:t>Math</a:t>
+            </a:r>
+            <a:endParaRPr lang="uk-UA" sz="8000" b="1" dirty="0"/>
           </a:p>
         </p:txBody>
       </p:sp>
     </p:spTree>
     <p:extLst>
       <p:ext uri="{BB962C8B-B14F-4D97-AF65-F5344CB8AC3E}">
-        <p14:creationId xmlns:p14="http://schemas.microsoft.com/office/powerpoint/2010/main" val="595765274"/>
+        <p14:creationId xmlns:p14="http://schemas.microsoft.com/office/powerpoint/2010/main" val="3514473714"/>
       </p:ext>
     </p:extLst>
   </p:cSld>
@@ -6732,7 +6815,7 @@
       </p:grpSpPr>
       <p:sp>
         <p:nvSpPr>
-          <p:cNvPr id="7" name="Номер слайда 36"/>
+          <p:cNvPr id="6" name="Номер слайда 36"/>
           <p:cNvSpPr txBox="1">
             <a:spLocks/>
           </p:cNvSpPr>
@@ -6740,7 +6823,7 @@
         </p:nvSpPr>
         <p:spPr>
           <a:xfrm>
-            <a:off x="11208568" y="6093296"/>
+            <a:off x="11212969" y="6165304"/>
             <a:ext cx="648072" cy="432048"/>
           </a:xfrm>
           <a:prstGeom prst="roundRect">
@@ -6780,9 +6863,7 @@
             <a:fld id="{6389AA22-90B4-448C-8B6B-C699140D38B9}" type="slidenum">
               <a:rPr lang="uk-UA" sz="2400" b="1">
                 <a:solidFill>
-                  <a:schemeClr val="bg1">
-                    <a:lumMod val="50000"/>
-                  </a:schemeClr>
+                  <a:schemeClr val="tx1"/>
                 </a:solidFill>
               </a:rPr>
               <a:pPr algn="ctr">
@@ -6792,9 +6873,7 @@
             </a:fld>
             <a:endParaRPr lang="uk-UA" sz="2400" b="1" dirty="0">
               <a:solidFill>
-                <a:schemeClr val="bg1">
-                  <a:lumMod val="50000"/>
-                </a:schemeClr>
+                <a:schemeClr val="tx1"/>
               </a:solidFill>
             </a:endParaRPr>
           </a:p>
@@ -6802,14 +6881,14 @@
       </p:sp>
       <p:sp>
         <p:nvSpPr>
-          <p:cNvPr id="9" name="TextBox 8"/>
+          <p:cNvPr id="3" name="TextBox 2"/>
           <p:cNvSpPr txBox="1"/>
           <p:nvPr/>
         </p:nvSpPr>
         <p:spPr>
           <a:xfrm>
-            <a:off x="1919536" y="1844824"/>
-            <a:ext cx="8856984" cy="3170099"/>
+            <a:off x="0" y="260648"/>
+            <a:ext cx="12192000" cy="584775"/>
           </a:xfrm>
           <a:prstGeom prst="rect">
             <a:avLst/>
@@ -6822,26 +6901,111 @@
           </a:bodyPr>
           <a:lstStyle/>
           <a:p>
-            <a:r>
-              <a:rPr lang="ru-RU" sz="4000" b="1" dirty="0"/>
-              <a:t>Задача: </a:t>
-            </a:r>
-            <a:r>
-              <a:rPr lang="ru-RU" sz="4000" dirty="0" smtClean="0"/>
-              <a:t>Разработать скрипт который на основании дохода физ. лица рассчитает суммы налогов которые ему необходимо заплатить и сколько у него останется после уплаты налогов</a:t>
-            </a:r>
-            <a:r>
-              <a:rPr lang="en-US" sz="4000" dirty="0" smtClean="0"/>
-              <a:t>.</a:t>
-            </a:r>
-            <a:endParaRPr lang="ru-RU" sz="4000" dirty="0"/>
-          </a:p>
-        </p:txBody>
-      </p:sp>
+            <a:pPr algn="ctr"/>
+            <a:r>
+              <a:rPr lang="ru-RU" sz="3200" b="1" dirty="0" smtClean="0"/>
+              <a:t>Объект </a:t>
+            </a:r>
+            <a:r>
+              <a:rPr lang="en-US" sz="3200" b="1" dirty="0" smtClean="0">
+                <a:solidFill>
+                  <a:schemeClr val="accent6">
+                    <a:lumMod val="75000"/>
+                  </a:schemeClr>
+                </a:solidFill>
+              </a:rPr>
+              <a:t>Math</a:t>
+            </a:r>
+            <a:endParaRPr lang="ru-RU" sz="3200" b="1" dirty="0">
+              <a:solidFill>
+                <a:schemeClr val="accent6">
+                  <a:lumMod val="75000"/>
+                </a:schemeClr>
+              </a:solidFill>
+            </a:endParaRPr>
+          </a:p>
+        </p:txBody>
+      </p:sp>
+      <p:sp>
+        <p:nvSpPr>
+          <p:cNvPr id="8" name="TextBox 7"/>
+          <p:cNvSpPr txBox="1"/>
+          <p:nvPr/>
+        </p:nvSpPr>
+        <p:spPr>
+          <a:xfrm>
+            <a:off x="7711047" y="1556792"/>
+            <a:ext cx="3816875" cy="2246769"/>
+          </a:xfrm>
+          <a:prstGeom prst="rect">
+            <a:avLst/>
+          </a:prstGeom>
+          <a:noFill/>
+        </p:spPr>
+        <p:txBody>
+          <a:bodyPr wrap="square" rtlCol="0">
+            <a:spAutoFit/>
+          </a:bodyPr>
+          <a:lstStyle/>
+          <a:p>
+            <a:r>
+              <a:rPr lang="ru-RU" sz="2800" dirty="0" smtClean="0"/>
+              <a:t>Объект </a:t>
+            </a:r>
+            <a:r>
+              <a:rPr lang="en-US" sz="2800" b="1" dirty="0" smtClean="0"/>
+              <a:t>Math</a:t>
+            </a:r>
+            <a:r>
+              <a:rPr lang="en-US" sz="2800" dirty="0" smtClean="0"/>
+              <a:t> </a:t>
+            </a:r>
+            <a:r>
+              <a:rPr lang="ru-RU" sz="2800" dirty="0" smtClean="0"/>
+              <a:t>содержит большое количество математических функций, в частности функции округления…</a:t>
+            </a:r>
+            <a:endParaRPr lang="ru-RU" sz="2800" dirty="0"/>
+          </a:p>
+        </p:txBody>
+      </p:sp>
+      <p:pic>
+        <p:nvPicPr>
+          <p:cNvPr id="4" name="Рисунок 3"/>
+          <p:cNvPicPr>
+            <a:picLocks noChangeAspect="1"/>
+          </p:cNvPicPr>
+          <p:nvPr/>
+        </p:nvPicPr>
+        <p:blipFill>
+          <a:blip r:embed="rId3"/>
+          <a:stretch>
+            <a:fillRect/>
+          </a:stretch>
+        </p:blipFill>
+        <p:spPr>
+          <a:xfrm>
+            <a:off x="1415480" y="1556792"/>
+            <a:ext cx="5448300" cy="4114800"/>
+          </a:xfrm>
+          <a:prstGeom prst="rect">
+            <a:avLst/>
+          </a:prstGeom>
+          <a:ln>
+            <a:noFill/>
+          </a:ln>
+          <a:effectLst>
+            <a:outerShdw blurRad="190500" algn="tl" rotWithShape="0">
+              <a:srgbClr val="000000">
+                <a:alpha val="70000"/>
+              </a:srgbClr>
+            </a:outerShdw>
+          </a:effectLst>
+        </p:spPr>
+      </p:pic>
     </p:spTree>
     <p:extLst>
       <p:ext uri="{BB962C8B-B14F-4D97-AF65-F5344CB8AC3E}">
-        <p14:creationId xmlns:p14="http://schemas.microsoft.com/office/powerpoint/2010/main" val="440040314"/>
+        <p14:creationId xmlns:p14="http://schemas.microsoft.com/office/powerpoint/2010/main" val="1133798415"/>
       </p:ext>
     </p:extLst>
   </p:cSld>
@@ -6917,16 +7081,24 @@
           <a:p>
             <a:pPr algn="ctr"/>
             <a:r>
+              <a:rPr lang="en-US" sz="6000" b="1" dirty="0"/>
+              <a:t>9</a:t>
+            </a:r>
+            <a:r>
+              <a:rPr lang="ru-RU" sz="6000" b="1" dirty="0" smtClean="0"/>
+              <a:t>. </a:t>
+            </a:r>
+            <a:r>
+              <a:rPr lang="ru-RU" sz="6000" b="1" dirty="0" smtClean="0"/>
+              <a:t>Немного практики </a:t>
+            </a:r>
+            <a:r>
               <a:rPr lang="en-US" sz="6000" b="1" dirty="0" smtClean="0"/>
-              <a:t>9</a:t>
+              <a:t>#</a:t>
             </a:r>
             <a:r>
               <a:rPr lang="ru-RU" sz="6000" b="1" dirty="0" smtClean="0"/>
-              <a:t>. Немного практики </a:t>
-            </a:r>
-            <a:r>
-              <a:rPr lang="en-US" sz="6000" b="1" dirty="0" smtClean="0"/>
-              <a:t>#2</a:t>
+              <a:t>1</a:t>
             </a:r>
             <a:endParaRPr lang="uk-UA" sz="6000" b="1" dirty="0"/>
           </a:p>
@@ -6935,7 +7107,7 @@
     </p:spTree>
     <p:extLst>
       <p:ext uri="{BB962C8B-B14F-4D97-AF65-F5344CB8AC3E}">
-        <p14:creationId xmlns:p14="http://schemas.microsoft.com/office/powerpoint/2010/main" val="1745563422"/>
+        <p14:creationId xmlns:p14="http://schemas.microsoft.com/office/powerpoint/2010/main" val="595765274"/>
       </p:ext>
     </p:extLst>
   </p:cSld>
@@ -7047,8 +7219,8 @@
         </p:nvSpPr>
         <p:spPr>
           <a:xfrm>
-            <a:off x="2351584" y="2564904"/>
-            <a:ext cx="8640960" cy="1938992"/>
+            <a:off x="1919536" y="1844824"/>
+            <a:ext cx="8856984" cy="3170099"/>
           </a:xfrm>
           <a:prstGeom prst="rect">
             <a:avLst/>
@@ -7066,23 +7238,11 @@
               <a:t>Задача: </a:t>
             </a:r>
             <a:r>
-              <a:rPr lang="ru-RU" sz="4000" dirty="0"/>
-              <a:t>Разработать скрипт который рассчитывает </a:t>
-            </a:r>
-            <a:r>
-              <a:rPr lang="ru-RU" sz="4000" b="1" dirty="0"/>
-              <a:t>индекс массы тела</a:t>
-            </a:r>
-            <a:r>
-              <a:rPr lang="en-US" sz="4000" b="1" dirty="0"/>
-              <a:t> </a:t>
-            </a:r>
-            <a:r>
               <a:rPr lang="ru-RU" sz="4000" dirty="0" smtClean="0"/>
-              <a:t>пользователя</a:t>
-            </a:r>
-            <a:r>
-              <a:rPr lang="en-US" sz="4000" dirty="0"/>
+              <a:t>Разработать скрипт который на основании дохода физ. лица рассчитает суммы налогов которые ему необходимо заплатить и сколько у него останется после уплаты налогов</a:t>
+            </a:r>
+            <a:r>
+              <a:rPr lang="en-US" sz="4000" dirty="0" smtClean="0"/>
               <a:t>.</a:t>
             </a:r>
             <a:endParaRPr lang="ru-RU" sz="4000" dirty="0"/>
@@ -7092,7 +7252,7 @@
     </p:spTree>
     <p:extLst>
       <p:ext uri="{BB962C8B-B14F-4D97-AF65-F5344CB8AC3E}">
-        <p14:creationId xmlns:p14="http://schemas.microsoft.com/office/powerpoint/2010/main" val="611823737"/>
+        <p14:creationId xmlns:p14="http://schemas.microsoft.com/office/powerpoint/2010/main" val="440040314"/>
       </p:ext>
     </p:extLst>
   </p:cSld>
@@ -7168,21 +7328,29 @@
           <a:p>
             <a:pPr algn="ctr"/>
             <a:r>
-              <a:rPr lang="ru-RU" sz="8000" b="1" dirty="0" smtClean="0"/>
-              <a:t>Будет полезным</a:t>
-            </a:r>
-            <a:endParaRPr lang="ru-RU" sz="8000" b="1" dirty="0" smtClean="0">
-              <a:solidFill>
-                <a:srgbClr val="92D050"/>
-              </a:solidFill>
-            </a:endParaRPr>
+              <a:rPr lang="en-US" sz="6000" b="1" dirty="0" smtClean="0"/>
+              <a:t>10</a:t>
+            </a:r>
+            <a:r>
+              <a:rPr lang="ru-RU" sz="6000" b="1" dirty="0" smtClean="0"/>
+              <a:t>. </a:t>
+            </a:r>
+            <a:r>
+              <a:rPr lang="ru-RU" sz="6000" b="1" dirty="0" smtClean="0"/>
+              <a:t>Немного практики </a:t>
+            </a:r>
+            <a:r>
+              <a:rPr lang="en-US" sz="6000" b="1" dirty="0" smtClean="0"/>
+              <a:t>#2</a:t>
+            </a:r>
+            <a:endParaRPr lang="uk-UA" sz="6000" b="1" dirty="0"/>
           </a:p>
         </p:txBody>
       </p:sp>
     </p:spTree>
     <p:extLst>
       <p:ext uri="{BB962C8B-B14F-4D97-AF65-F5344CB8AC3E}">
-        <p14:creationId xmlns:p14="http://schemas.microsoft.com/office/powerpoint/2010/main" val="3049747109"/>
+        <p14:creationId xmlns:p14="http://schemas.microsoft.com/office/powerpoint/2010/main" val="1745563422"/>
       </p:ext>
     </p:extLst>
   </p:cSld>
@@ -7286,126 +7454,16 @@
           </a:p>
         </p:txBody>
       </p:sp>
-      <p:pic>
-        <p:nvPicPr>
-          <p:cNvPr id="1026" name="Picture 2" descr="https://cv6.litres.ru/pub/c/pdf-kniga/cover_max1500/50447564-author-haverbeke_mareyin-kniga_vyirazitelnyiyi_javascript_sovremennoe_v.jpg"/>
-          <p:cNvPicPr>
-            <a:picLocks noChangeAspect="1" noChangeArrowheads="1"/>
-          </p:cNvPicPr>
-          <p:nvPr/>
-        </p:nvPicPr>
-        <p:blipFill>
-          <a:blip r:embed="rId2">
-            <a:extLst>
-              <a:ext uri="{28A0092B-C50C-407E-A947-70E740481C1C}">
-                <a14:useLocalDpi xmlns:a14="http://schemas.microsoft.com/office/drawing/2010/main" val="0"/>
-              </a:ext>
-            </a:extLst>
-          </a:blip>
-          <a:srcRect/>
-          <a:stretch>
-            <a:fillRect/>
-          </a:stretch>
-        </p:blipFill>
-        <p:spPr bwMode="auto">
-          <a:xfrm>
-            <a:off x="-19315" y="0"/>
-            <a:ext cx="4857994" cy="6858000"/>
-          </a:xfrm>
-          <a:prstGeom prst="rect">
-            <a:avLst/>
-          </a:prstGeom>
-          <a:ln>
-            <a:noFill/>
-          </a:ln>
-          <a:effectLst>
-            <a:outerShdw blurRad="190500" algn="tl" rotWithShape="0">
-              <a:srgbClr val="000000">
-                <a:alpha val="70000"/>
-              </a:srgbClr>
-            </a:outerShdw>
-          </a:effectLst>
-          <a:extLst>
-            <a:ext uri="{909E8E84-426E-40DD-AFC4-6F175D3DCCD1}">
-              <a14:hiddenFill xmlns:a14="http://schemas.microsoft.com/office/drawing/2010/main">
-                <a:solidFill>
-                  <a:srgbClr val="FFFFFF"/>
-                </a:solidFill>
-              </a14:hiddenFill>
-            </a:ext>
-          </a:extLst>
-        </p:spPr>
-      </p:pic>
-      <p:sp>
-        <p:nvSpPr>
-          <p:cNvPr id="3" name="Прямоугольник 2"/>
-          <p:cNvSpPr/>
-          <p:nvPr/>
-        </p:nvSpPr>
-        <p:spPr>
-          <a:xfrm>
-            <a:off x="5760640" y="1268760"/>
-            <a:ext cx="6096000" cy="1569660"/>
-          </a:xfrm>
-          <a:prstGeom prst="rect">
-            <a:avLst/>
-          </a:prstGeom>
-        </p:spPr>
-        <p:txBody>
-          <a:bodyPr>
-            <a:spAutoFit/>
-          </a:bodyPr>
-          <a:lstStyle/>
-          <a:p>
-            <a:r>
-              <a:rPr lang="ru-RU" sz="3600" b="1" dirty="0"/>
-              <a:t>Выразительный </a:t>
-            </a:r>
-            <a:r>
-              <a:rPr lang="ru-RU" sz="3600" b="1" dirty="0" err="1"/>
-              <a:t>JavaScript</a:t>
-            </a:r>
-            <a:r>
-              <a:rPr lang="ru-RU" sz="3600" b="1" dirty="0"/>
-              <a:t>. </a:t>
-            </a:r>
-          </a:p>
-          <a:p>
-            <a:r>
-              <a:rPr lang="ru-RU" i="1" dirty="0"/>
-              <a:t>Современное веб-программирование </a:t>
-            </a:r>
-          </a:p>
-          <a:p>
-            <a:endParaRPr lang="ru-RU" dirty="0"/>
-          </a:p>
-          <a:p>
-            <a:r>
-              <a:rPr lang="ru-RU" sz="2400" b="1" dirty="0" err="1" smtClean="0"/>
-              <a:t>Марейн</a:t>
-            </a:r>
-            <a:r>
-              <a:rPr lang="ru-RU" sz="2400" b="1" dirty="0" smtClean="0"/>
-              <a:t> </a:t>
-            </a:r>
-            <a:r>
-              <a:rPr lang="ru-RU" sz="2400" b="1" dirty="0" err="1"/>
-              <a:t>Хавербеке</a:t>
-            </a:r>
-            <a:endParaRPr lang="ru-RU" sz="2400" b="1" dirty="0"/>
-          </a:p>
-        </p:txBody>
-      </p:sp>
-      <p:sp>
-        <p:nvSpPr>
-          <p:cNvPr id="4" name="TextBox 3"/>
+      <p:sp>
+        <p:nvSpPr>
+          <p:cNvPr id="9" name="TextBox 8"/>
           <p:cNvSpPr txBox="1"/>
           <p:nvPr/>
         </p:nvSpPr>
         <p:spPr>
           <a:xfrm>
-            <a:off x="5735960" y="3429000"/>
-            <a:ext cx="3665662" cy="1569660"/>
+            <a:off x="2351584" y="2564904"/>
+            <a:ext cx="8640960" cy="1938992"/>
           </a:xfrm>
           <a:prstGeom prst="rect">
             <a:avLst/>
@@ -7419,21 +7477,37 @@
           <a:lstStyle/>
           <a:p>
             <a:r>
-              <a:rPr lang="ru-RU" sz="2400" i="1" dirty="0" smtClean="0"/>
-              <a:t>Замечательная книга, как для введения в программирование, так и освоения </a:t>
-            </a:r>
-            <a:r>
-              <a:rPr lang="en-US" sz="2400" i="1" dirty="0" smtClean="0"/>
-              <a:t>JavaScript.</a:t>
-            </a:r>
-            <a:endParaRPr lang="ru-RU" sz="2400" i="1" dirty="0"/>
+              <a:rPr lang="ru-RU" sz="4000" b="1" dirty="0"/>
+              <a:t>Задача: </a:t>
+            </a:r>
+            <a:r>
+              <a:rPr lang="ru-RU" sz="4000" dirty="0"/>
+              <a:t>Разработать скрипт который рассчитывает </a:t>
+            </a:r>
+            <a:r>
+              <a:rPr lang="ru-RU" sz="4000" b="1" dirty="0"/>
+              <a:t>индекс массы тела</a:t>
+            </a:r>
+            <a:r>
+              <a:rPr lang="en-US" sz="4000" b="1" dirty="0"/>
+              <a:t> </a:t>
+            </a:r>
+            <a:r>
+              <a:rPr lang="ru-RU" sz="4000" dirty="0" smtClean="0"/>
+              <a:t>пользователя</a:t>
+            </a:r>
+            <a:r>
+              <a:rPr lang="en-US" sz="4000" dirty="0"/>
+              <a:t>.</a:t>
+            </a:r>
+            <a:endParaRPr lang="ru-RU" sz="4000" dirty="0"/>
           </a:p>
         </p:txBody>
       </p:sp>
     </p:spTree>
     <p:extLst>
       <p:ext uri="{BB962C8B-B14F-4D97-AF65-F5344CB8AC3E}">
-        <p14:creationId xmlns:p14="http://schemas.microsoft.com/office/powerpoint/2010/main" val="2364477202"/>
+        <p14:creationId xmlns:p14="http://schemas.microsoft.com/office/powerpoint/2010/main" val="611823737"/>
       </p:ext>
     </p:extLst>
   </p:cSld>
@@ -7509,31 +7583,21 @@
           <a:p>
             <a:pPr algn="ctr"/>
             <a:r>
-              <a:rPr lang="ru-RU" sz="6000" b="1" dirty="0"/>
-              <a:t>Домашнее </a:t>
-            </a:r>
-            <a:r>
-              <a:rPr lang="ru-RU" sz="6000" b="1" dirty="0" smtClean="0"/>
-              <a:t>задание</a:t>
-            </a:r>
-          </a:p>
-          <a:p>
-            <a:pPr algn="ctr"/>
-            <a:r>
-              <a:rPr lang="ru-RU" sz="6000" b="1" dirty="0" smtClean="0">
-                <a:solidFill>
-                  <a:srgbClr val="92D050"/>
-                </a:solidFill>
-              </a:rPr>
-              <a:t>Тренируемся!</a:t>
-            </a:r>
+              <a:rPr lang="ru-RU" sz="8000" b="1" dirty="0" smtClean="0"/>
+              <a:t>Будет полезным</a:t>
+            </a:r>
+            <a:endParaRPr lang="ru-RU" sz="8000" b="1" dirty="0" smtClean="0">
+              <a:solidFill>
+                <a:srgbClr val="92D050"/>
+              </a:solidFill>
+            </a:endParaRPr>
           </a:p>
         </p:txBody>
       </p:sp>
     </p:spTree>
     <p:extLst>
       <p:ext uri="{BB962C8B-B14F-4D97-AF65-F5344CB8AC3E}">
-        <p14:creationId xmlns:p14="http://schemas.microsoft.com/office/powerpoint/2010/main" val="1815961251"/>
+        <p14:creationId xmlns:p14="http://schemas.microsoft.com/office/powerpoint/2010/main" val="3049747109"/>
       </p:ext>
     </p:extLst>
   </p:cSld>
@@ -7577,7 +7641,7 @@
         </p:nvSpPr>
         <p:spPr>
           <a:xfrm>
-            <a:off x="11280576" y="6165304"/>
+            <a:off x="11208568" y="6093296"/>
             <a:ext cx="648072" cy="432048"/>
           </a:xfrm>
           <a:prstGeom prst="roundRect">
@@ -7637,40 +7701,9 @@
           </a:p>
         </p:txBody>
       </p:sp>
-      <p:sp>
-        <p:nvSpPr>
-          <p:cNvPr id="6" name="TextBox 5"/>
-          <p:cNvSpPr txBox="1"/>
-          <p:nvPr/>
-        </p:nvSpPr>
-        <p:spPr>
-          <a:xfrm>
-            <a:off x="0" y="332656"/>
-            <a:ext cx="12192000" cy="523220"/>
-          </a:xfrm>
-          <a:prstGeom prst="rect">
-            <a:avLst/>
-          </a:prstGeom>
-          <a:noFill/>
-        </p:spPr>
-        <p:txBody>
-          <a:bodyPr wrap="square" rtlCol="0">
-            <a:spAutoFit/>
-          </a:bodyPr>
-          <a:lstStyle/>
-          <a:p>
-            <a:pPr algn="ctr"/>
-            <a:r>
-              <a:rPr lang="ru-RU" sz="2800" b="1" dirty="0" smtClean="0"/>
-              <a:t>Программирование ремесло и требует тренировки…</a:t>
-            </a:r>
-            <a:endParaRPr lang="uk-UA" sz="2800" b="1" dirty="0"/>
-          </a:p>
-        </p:txBody>
-      </p:sp>
       <p:pic>
         <p:nvPicPr>
-          <p:cNvPr id="1028" name="Picture 4" descr="Результат пошуку зображень за запитом programming&quot;"/>
+          <p:cNvPr id="1026" name="Picture 2" descr="https://cv6.litres.ru/pub/c/pdf-kniga/cover_max1500/50447564-author-haverbeke_mareyin-kniga_vyirazitelnyiyi_javascript_sovremennoe_v.jpg"/>
           <p:cNvPicPr>
             <a:picLocks noChangeAspect="1" noChangeArrowheads="1"/>
           </p:cNvPicPr>
@@ -7691,8 +7724,8 @@
         </p:blipFill>
         <p:spPr bwMode="auto">
           <a:xfrm>
-            <a:off x="7715149" y="1593304"/>
-            <a:ext cx="4017684" cy="3325750"/>
+            <a:off x="-19315" y="0"/>
+            <a:ext cx="4857994" cy="6858000"/>
           </a:xfrm>
           <a:prstGeom prst="rect">
             <a:avLst/>
@@ -7701,9 +7734,9 @@
             <a:noFill/>
           </a:ln>
           <a:effectLst>
-            <a:outerShdw blurRad="292100" dist="139700" dir="2700000" algn="tl" rotWithShape="0">
-              <a:srgbClr val="333333">
-                <a:alpha val="65000"/>
+            <a:outerShdw blurRad="190500" algn="tl" rotWithShape="0">
+              <a:srgbClr val="000000">
+                <a:alpha val="70000"/>
               </a:srgbClr>
             </a:outerShdw>
           </a:effectLst>
@@ -7718,171 +7751,104 @@
           </a:extLst>
         </p:spPr>
       </p:pic>
-      <p:pic>
-        <p:nvPicPr>
-          <p:cNvPr id="4" name="Рисунок 3"/>
-          <p:cNvPicPr>
-            <a:picLocks noChangeAspect="1"/>
-          </p:cNvPicPr>
+      <p:sp>
+        <p:nvSpPr>
+          <p:cNvPr id="3" name="Прямоугольник 2"/>
+          <p:cNvSpPr/>
           <p:nvPr/>
-        </p:nvPicPr>
-        <p:blipFill rotWithShape="1">
-          <a:blip r:embed="rId3"/>
-          <a:srcRect l="6097" r="2453"/>
-          <a:stretch/>
-        </p:blipFill>
-        <p:spPr>
-          <a:xfrm>
-            <a:off x="7032104" y="5659823"/>
-            <a:ext cx="1366091" cy="975793"/>
+        </p:nvSpPr>
+        <p:spPr>
+          <a:xfrm>
+            <a:off x="5760640" y="1268760"/>
+            <a:ext cx="6096000" cy="1569660"/>
           </a:xfrm>
           <a:prstGeom prst="rect">
             <a:avLst/>
           </a:prstGeom>
         </p:spPr>
-      </p:pic>
-      <p:sp>
-        <p:nvSpPr>
-          <p:cNvPr id="9" name="Прямоугольник 8"/>
-          <p:cNvSpPr/>
+        <p:txBody>
+          <a:bodyPr>
+            <a:spAutoFit/>
+          </a:bodyPr>
+          <a:lstStyle/>
+          <a:p>
+            <a:r>
+              <a:rPr lang="ru-RU" sz="3600" b="1" dirty="0"/>
+              <a:t>Выразительный </a:t>
+            </a:r>
+            <a:r>
+              <a:rPr lang="ru-RU" sz="3600" b="1" dirty="0" err="1"/>
+              <a:t>JavaScript</a:t>
+            </a:r>
+            <a:r>
+              <a:rPr lang="ru-RU" sz="3600" b="1" dirty="0"/>
+              <a:t>. </a:t>
+            </a:r>
+          </a:p>
+          <a:p>
+            <a:r>
+              <a:rPr lang="ru-RU" i="1" dirty="0"/>
+              <a:t>Современное веб-программирование </a:t>
+            </a:r>
+          </a:p>
+          <a:p>
+            <a:endParaRPr lang="ru-RU" dirty="0"/>
+          </a:p>
+          <a:p>
+            <a:r>
+              <a:rPr lang="ru-RU" sz="2400" b="1" dirty="0" err="1" smtClean="0"/>
+              <a:t>Марейн</a:t>
+            </a:r>
+            <a:r>
+              <a:rPr lang="ru-RU" sz="2400" b="1" dirty="0" smtClean="0"/>
+              <a:t> </a:t>
+            </a:r>
+            <a:r>
+              <a:rPr lang="ru-RU" sz="2400" b="1" dirty="0" err="1"/>
+              <a:t>Хавербеке</a:t>
+            </a:r>
+            <a:endParaRPr lang="ru-RU" sz="2400" b="1" dirty="0"/>
+          </a:p>
+        </p:txBody>
+      </p:sp>
+      <p:sp>
+        <p:nvSpPr>
+          <p:cNvPr id="4" name="TextBox 3"/>
+          <p:cNvSpPr txBox="1"/>
           <p:nvPr/>
         </p:nvSpPr>
         <p:spPr>
           <a:xfrm>
-            <a:off x="695400" y="1026016"/>
-            <a:ext cx="6663164" cy="5355312"/>
+            <a:off x="5735960" y="3429000"/>
+            <a:ext cx="3665662" cy="1569660"/>
           </a:xfrm>
           <a:prstGeom prst="rect">
             <a:avLst/>
           </a:prstGeom>
-        </p:spPr>
-        <p:txBody>
-          <a:bodyPr wrap="square">
+          <a:noFill/>
+        </p:spPr>
+        <p:txBody>
+          <a:bodyPr wrap="square" rtlCol="0">
             <a:spAutoFit/>
           </a:bodyPr>
           <a:lstStyle/>
           <a:p>
             <a:r>
-              <a:rPr lang="ru-RU" i="1" dirty="0"/>
-              <a:t>1) </a:t>
-            </a:r>
-            <a:r>
-              <a:rPr lang="ru-RU" i="1" dirty="0" smtClean="0"/>
-              <a:t>Задаётся </a:t>
-            </a:r>
-            <a:r>
-              <a:rPr lang="ru-RU" i="1" dirty="0"/>
-              <a:t>сторона квадрата. Найти его периметр;</a:t>
-            </a:r>
-          </a:p>
-          <a:p>
-            <a:endParaRPr lang="ru-RU" i="1" dirty="0"/>
-          </a:p>
-          <a:p>
-            <a:r>
-              <a:rPr lang="ru-RU" i="1" dirty="0"/>
-              <a:t>2) Задаётся</a:t>
-            </a:r>
-            <a:r>
-              <a:rPr lang="ru-RU" i="1" dirty="0" smtClean="0"/>
-              <a:t> </a:t>
-            </a:r>
-            <a:r>
-              <a:rPr lang="ru-RU" i="1" dirty="0"/>
-              <a:t>длина ребра куба. Найти объем куба и площадь его боковой поверхности;</a:t>
-            </a:r>
-          </a:p>
-          <a:p>
-            <a:endParaRPr lang="ru-RU" i="1" dirty="0"/>
-          </a:p>
-          <a:p>
-            <a:r>
-              <a:rPr lang="ru-RU" i="1" dirty="0"/>
-              <a:t>3) Задаётся</a:t>
-            </a:r>
-            <a:r>
-              <a:rPr lang="ru-RU" i="1" dirty="0" smtClean="0"/>
-              <a:t> </a:t>
-            </a:r>
-            <a:r>
-              <a:rPr lang="ru-RU" i="1" dirty="0"/>
-              <a:t>радиус окружности. Найти длину окружности и площадь круга;</a:t>
-            </a:r>
-          </a:p>
-          <a:p>
-            <a:endParaRPr lang="ru-RU" i="1" dirty="0"/>
-          </a:p>
-          <a:p>
-            <a:r>
-              <a:rPr lang="ru-RU" i="1" dirty="0"/>
-              <a:t>4) </a:t>
-            </a:r>
-            <a:r>
-              <a:rPr lang="ru-RU" i="1" dirty="0" smtClean="0"/>
-              <a:t>Задаются </a:t>
-            </a:r>
-            <a:r>
-              <a:rPr lang="ru-RU" i="1" dirty="0"/>
-              <a:t>объем и масса вещества. Определить плотность материала этого вещества;</a:t>
-            </a:r>
-          </a:p>
-          <a:p>
-            <a:endParaRPr lang="ru-RU" i="1" dirty="0"/>
-          </a:p>
-          <a:p>
-            <a:r>
-              <a:rPr lang="ru-RU" i="1" dirty="0"/>
-              <a:t>5) Известны количество жителей в государстве и площадь его территории (в км2). Определить плотность населения в этом государстве.</a:t>
-            </a:r>
-          </a:p>
-          <a:p>
-            <a:endParaRPr lang="ru-RU" i="1" dirty="0"/>
-          </a:p>
-          <a:p>
-            <a:r>
-              <a:rPr lang="ru-RU" i="1" dirty="0"/>
-              <a:t>6). Даны катеты прямоугольного треугольника. Найти его гипотенузу.</a:t>
-            </a:r>
-          </a:p>
-          <a:p>
-            <a:endParaRPr lang="ru-RU" i="1" dirty="0"/>
-          </a:p>
-          <a:p>
-            <a:r>
-              <a:rPr lang="ru-RU" i="1" dirty="0"/>
-              <a:t>7) </a:t>
-            </a:r>
-            <a:r>
-              <a:rPr lang="ru-RU" i="1" dirty="0" smtClean="0"/>
-              <a:t>Рассчитать значение </a:t>
-            </a:r>
-            <a:r>
-              <a:rPr lang="en-US" b="1" i="1" dirty="0" smtClean="0"/>
-              <a:t>y</a:t>
-            </a:r>
-            <a:r>
-              <a:rPr lang="ru-RU" i="1" dirty="0" smtClean="0"/>
-              <a:t>, </a:t>
-            </a:r>
-            <a:r>
-              <a:rPr lang="ru-RU" i="1" dirty="0"/>
-              <a:t>при любых введённых значениях </a:t>
-            </a:r>
-            <a:r>
-              <a:rPr lang="ru-RU" b="1" i="1" dirty="0"/>
-              <a:t>а</a:t>
-            </a:r>
-            <a:r>
-              <a:rPr lang="ru-RU" i="1" dirty="0"/>
-              <a:t>: </a:t>
-            </a:r>
+              <a:rPr lang="ru-RU" sz="2400" i="1" dirty="0" smtClean="0"/>
+              <a:t>Замечательная книга, как для введения в программирование, так и освоения </a:t>
+            </a:r>
+            <a:r>
+              <a:rPr lang="en-US" sz="2400" i="1" dirty="0" smtClean="0"/>
+              <a:t>JavaScript.</a:t>
+            </a:r>
+            <a:endParaRPr lang="ru-RU" sz="2400" i="1" dirty="0"/>
           </a:p>
         </p:txBody>
       </p:sp>
     </p:spTree>
     <p:extLst>
       <p:ext uri="{BB962C8B-B14F-4D97-AF65-F5344CB8AC3E}">
-        <p14:creationId xmlns:p14="http://schemas.microsoft.com/office/powerpoint/2010/main" val="532668222"/>
+        <p14:creationId xmlns:p14="http://schemas.microsoft.com/office/powerpoint/2010/main" val="2364477202"/>
       </p:ext>
     </p:extLst>
   </p:cSld>
@@ -7958,24 +7924,31 @@
           <a:p>
             <a:pPr algn="ctr"/>
             <a:r>
-              <a:rPr lang="ru-RU" sz="6600" b="1" dirty="0"/>
-              <a:t>К следующему </a:t>
+              <a:rPr lang="ru-RU" sz="6000" b="1" dirty="0"/>
+              <a:t>Домашнее </a:t>
+            </a:r>
+            <a:r>
+              <a:rPr lang="ru-RU" sz="6000" b="1" dirty="0" smtClean="0"/>
+              <a:t>задание</a:t>
             </a:r>
           </a:p>
           <a:p>
             <a:pPr algn="ctr"/>
             <a:r>
-              <a:rPr lang="ru-RU" sz="6600" b="1" dirty="0"/>
-              <a:t>занятию…</a:t>
-            </a:r>
-            <a:endParaRPr lang="uk-UA" sz="6600" b="1" dirty="0"/>
+              <a:rPr lang="ru-RU" sz="6000" b="1" dirty="0" smtClean="0">
+                <a:solidFill>
+                  <a:srgbClr val="92D050"/>
+                </a:solidFill>
+              </a:rPr>
+              <a:t>Тренируемся!</a:t>
+            </a:r>
           </a:p>
         </p:txBody>
       </p:sp>
     </p:spTree>
     <p:extLst>
       <p:ext uri="{BB962C8B-B14F-4D97-AF65-F5344CB8AC3E}">
-        <p14:creationId xmlns:p14="http://schemas.microsoft.com/office/powerpoint/2010/main" val="3620372157"/>
+        <p14:creationId xmlns:p14="http://schemas.microsoft.com/office/powerpoint/2010/main" val="1815961251"/>
       </p:ext>
     </p:extLst>
   </p:cSld>
@@ -8011,7 +7984,7 @@
       </p:grpSpPr>
       <p:sp>
         <p:nvSpPr>
-          <p:cNvPr id="8" name="Номер слайда 36"/>
+          <p:cNvPr id="7" name="Номер слайда 36"/>
           <p:cNvSpPr txBox="1">
             <a:spLocks/>
           </p:cNvSpPr>
@@ -8019,7 +7992,7 @@
         </p:nvSpPr>
         <p:spPr>
           <a:xfrm>
-            <a:off x="11352584" y="6237312"/>
+            <a:off x="11280576" y="6165304"/>
             <a:ext cx="648072" cy="432048"/>
           </a:xfrm>
           <a:prstGeom prst="roundRect">
@@ -8081,44 +8054,14 @@
       </p:sp>
       <p:sp>
         <p:nvSpPr>
-          <p:cNvPr id="9" name="Прямоугольник 8"/>
-          <p:cNvSpPr/>
-          <p:nvPr/>
-        </p:nvSpPr>
-        <p:spPr>
-          <a:xfrm>
-            <a:off x="0" y="452572"/>
-            <a:ext cx="12192000" cy="707886"/>
-          </a:xfrm>
-          <a:prstGeom prst="rect">
-            <a:avLst/>
-          </a:prstGeom>
-        </p:spPr>
-        <p:txBody>
-          <a:bodyPr wrap="square">
-            <a:spAutoFit/>
-          </a:bodyPr>
-          <a:lstStyle/>
-          <a:p>
-            <a:pPr algn="ctr"/>
-            <a:r>
-              <a:rPr lang="ru-RU" sz="4000" b="1" dirty="0" smtClean="0"/>
-              <a:t>Условные операторы</a:t>
-            </a:r>
-            <a:endParaRPr lang="ru-RU" sz="4000" i="1" dirty="0"/>
-          </a:p>
-        </p:txBody>
-      </p:sp>
-      <p:sp>
-        <p:nvSpPr>
-          <p:cNvPr id="10" name="TextBox 9"/>
+          <p:cNvPr id="6" name="TextBox 5"/>
           <p:cNvSpPr txBox="1"/>
           <p:nvPr/>
         </p:nvSpPr>
         <p:spPr>
           <a:xfrm>
-            <a:off x="7752184" y="1735938"/>
-            <a:ext cx="3672408" cy="3170099"/>
+            <a:off x="0" y="332656"/>
+            <a:ext cx="12192000" cy="523220"/>
           </a:xfrm>
           <a:prstGeom prst="rect">
             <a:avLst/>
@@ -8131,75 +8074,10 @@
           </a:bodyPr>
           <a:lstStyle/>
           <a:p>
-            <a:r>
-              <a:rPr lang="ru-RU" sz="2500" b="1" dirty="0">
-                <a:solidFill>
-                  <a:srgbClr val="7030A0"/>
-                </a:solidFill>
-              </a:rPr>
-              <a:t>Предварительные знания – лучший помощник</a:t>
-            </a:r>
-            <a:r>
-              <a:rPr lang="ru-RU" sz="2500" dirty="0"/>
-              <a:t> в обучении, поэтому к следующему занятию жду, что </a:t>
-            </a:r>
-            <a:r>
-              <a:rPr lang="ru-RU" sz="2500" b="1" dirty="0">
-                <a:solidFill>
-                  <a:srgbClr val="00B050"/>
-                </a:solidFill>
-              </a:rPr>
-              <a:t>посмотрите небольшой ролик </a:t>
-            </a:r>
-            <a:r>
-              <a:rPr lang="ru-RU" sz="2500" b="1" dirty="0" smtClean="0">
-                <a:solidFill>
-                  <a:srgbClr val="00B050"/>
-                </a:solidFill>
-              </a:rPr>
-              <a:t>об условных операторах.</a:t>
-            </a:r>
-            <a:endParaRPr lang="uk-UA" sz="2500" dirty="0">
-              <a:solidFill>
-                <a:srgbClr val="00B050"/>
-              </a:solidFill>
-            </a:endParaRPr>
-          </a:p>
-        </p:txBody>
-      </p:sp>
-      <p:sp>
-        <p:nvSpPr>
-          <p:cNvPr id="11" name="Прямоугольник 10"/>
-          <p:cNvSpPr/>
-          <p:nvPr/>
-        </p:nvSpPr>
-        <p:spPr>
-          <a:xfrm>
-            <a:off x="-24680" y="5589240"/>
-            <a:ext cx="12192000" cy="523220"/>
-          </a:xfrm>
-          <a:prstGeom prst="rect">
-            <a:avLst/>
-          </a:prstGeom>
-        </p:spPr>
-        <p:txBody>
-          <a:bodyPr wrap="square">
-            <a:spAutoFit/>
-          </a:bodyPr>
-          <a:lstStyle/>
-          <a:p>
             <a:pPr algn="ctr"/>
             <a:r>
-              <a:rPr lang="en-US" sz="2800" b="1" dirty="0">
-                <a:hlinkClick r:id="rId2"/>
-              </a:rPr>
-              <a:t>https://</a:t>
-            </a:r>
-            <a:r>
-              <a:rPr lang="en-US" sz="2800" b="1" dirty="0" smtClean="0">
-                <a:hlinkClick r:id="rId2"/>
-              </a:rPr>
-              <a:t>youtu.be/N6MSUrc8oH4</a:t>
+              <a:rPr lang="ru-RU" sz="2800" b="1" dirty="0" smtClean="0"/>
+              <a:t>Программирование ремесло и требует тренировки…</a:t>
             </a:r>
             <a:endParaRPr lang="uk-UA" sz="2800" b="1" dirty="0"/>
           </a:p>
@@ -8207,14 +8085,14 @@
       </p:sp>
       <p:pic>
         <p:nvPicPr>
-          <p:cNvPr id="2050" name="Picture 2" descr="Ð ÐµÐ·ÑÐ»ÑÑÐ°Ñ Ð¿Ð¾ÑÑÐºÑ Ð·Ð¾Ð±ÑÐ°Ð¶ÐµÐ½Ñ Ð·Ð° Ð·Ð°Ð¿Ð¸ÑÐ¾Ð¼ &quot;if else&quot;"/>
+          <p:cNvPr id="1028" name="Picture 4" descr="Результат пошуку зображень за запитом programming&quot;"/>
           <p:cNvPicPr>
             <a:picLocks noChangeAspect="1" noChangeArrowheads="1"/>
           </p:cNvPicPr>
           <p:nvPr/>
         </p:nvPicPr>
         <p:blipFill>
-          <a:blip r:embed="rId3">
+          <a:blip r:embed="rId2">
             <a:extLst>
               <a:ext uri="{28A0092B-C50C-407E-A947-70E740481C1C}">
                 <a14:useLocalDpi xmlns:a14="http://schemas.microsoft.com/office/drawing/2010/main" val="0"/>
@@ -8228,8 +8106,8 @@
         </p:blipFill>
         <p:spPr bwMode="auto">
           <a:xfrm>
-            <a:off x="727682" y="1725486"/>
-            <a:ext cx="6592454" cy="3240360"/>
+            <a:off x="7715149" y="1593304"/>
+            <a:ext cx="4017684" cy="3325750"/>
           </a:xfrm>
           <a:prstGeom prst="rect">
             <a:avLst/>
@@ -8255,10 +8133,171 @@
           </a:extLst>
         </p:spPr>
       </p:pic>
+      <p:pic>
+        <p:nvPicPr>
+          <p:cNvPr id="4" name="Рисунок 3"/>
+          <p:cNvPicPr>
+            <a:picLocks noChangeAspect="1"/>
+          </p:cNvPicPr>
+          <p:nvPr/>
+        </p:nvPicPr>
+        <p:blipFill rotWithShape="1">
+          <a:blip r:embed="rId3"/>
+          <a:srcRect l="6097" r="2453"/>
+          <a:stretch/>
+        </p:blipFill>
+        <p:spPr>
+          <a:xfrm>
+            <a:off x="7032104" y="5659823"/>
+            <a:ext cx="1366091" cy="975793"/>
+          </a:xfrm>
+          <a:prstGeom prst="rect">
+            <a:avLst/>
+          </a:prstGeom>
+        </p:spPr>
+      </p:pic>
+      <p:sp>
+        <p:nvSpPr>
+          <p:cNvPr id="9" name="Прямоугольник 8"/>
+          <p:cNvSpPr/>
+          <p:nvPr/>
+        </p:nvSpPr>
+        <p:spPr>
+          <a:xfrm>
+            <a:off x="695400" y="1026016"/>
+            <a:ext cx="6663164" cy="5355312"/>
+          </a:xfrm>
+          <a:prstGeom prst="rect">
+            <a:avLst/>
+          </a:prstGeom>
+        </p:spPr>
+        <p:txBody>
+          <a:bodyPr wrap="square">
+            <a:spAutoFit/>
+          </a:bodyPr>
+          <a:lstStyle/>
+          <a:p>
+            <a:r>
+              <a:rPr lang="ru-RU" i="1" dirty="0"/>
+              <a:t>1) </a:t>
+            </a:r>
+            <a:r>
+              <a:rPr lang="ru-RU" i="1" dirty="0" smtClean="0"/>
+              <a:t>Задаётся </a:t>
+            </a:r>
+            <a:r>
+              <a:rPr lang="ru-RU" i="1" dirty="0"/>
+              <a:t>сторона квадрата. Найти его периметр;</a:t>
+            </a:r>
+          </a:p>
+          <a:p>
+            <a:endParaRPr lang="ru-RU" i="1" dirty="0"/>
+          </a:p>
+          <a:p>
+            <a:r>
+              <a:rPr lang="ru-RU" i="1" dirty="0"/>
+              <a:t>2) Задаётся</a:t>
+            </a:r>
+            <a:r>
+              <a:rPr lang="ru-RU" i="1" dirty="0" smtClean="0"/>
+              <a:t> </a:t>
+            </a:r>
+            <a:r>
+              <a:rPr lang="ru-RU" i="1" dirty="0"/>
+              <a:t>длина ребра куба. Найти объем куба и площадь его боковой поверхности;</a:t>
+            </a:r>
+          </a:p>
+          <a:p>
+            <a:endParaRPr lang="ru-RU" i="1" dirty="0"/>
+          </a:p>
+          <a:p>
+            <a:r>
+              <a:rPr lang="ru-RU" i="1" dirty="0"/>
+              <a:t>3) Задаётся</a:t>
+            </a:r>
+            <a:r>
+              <a:rPr lang="ru-RU" i="1" dirty="0" smtClean="0"/>
+              <a:t> </a:t>
+            </a:r>
+            <a:r>
+              <a:rPr lang="ru-RU" i="1" dirty="0"/>
+              <a:t>радиус окружности. Найти длину окружности и площадь круга;</a:t>
+            </a:r>
+          </a:p>
+          <a:p>
+            <a:endParaRPr lang="ru-RU" i="1" dirty="0"/>
+          </a:p>
+          <a:p>
+            <a:r>
+              <a:rPr lang="ru-RU" i="1" dirty="0"/>
+              <a:t>4) </a:t>
+            </a:r>
+            <a:r>
+              <a:rPr lang="ru-RU" i="1" dirty="0" smtClean="0"/>
+              <a:t>Задаются </a:t>
+            </a:r>
+            <a:r>
+              <a:rPr lang="ru-RU" i="1" dirty="0"/>
+              <a:t>объем и масса вещества. Определить плотность материала этого вещества;</a:t>
+            </a:r>
+          </a:p>
+          <a:p>
+            <a:endParaRPr lang="ru-RU" i="1" dirty="0"/>
+          </a:p>
+          <a:p>
+            <a:r>
+              <a:rPr lang="ru-RU" i="1" dirty="0"/>
+              <a:t>5) Известны количество жителей в государстве и площадь его территории (в км2). Определить плотность населения в этом государстве.</a:t>
+            </a:r>
+          </a:p>
+          <a:p>
+            <a:endParaRPr lang="ru-RU" i="1" dirty="0"/>
+          </a:p>
+          <a:p>
+            <a:r>
+              <a:rPr lang="ru-RU" i="1" dirty="0"/>
+              <a:t>6). Даны катеты прямоугольного треугольника. Найти его гипотенузу.</a:t>
+            </a:r>
+          </a:p>
+          <a:p>
+            <a:endParaRPr lang="ru-RU" i="1" dirty="0"/>
+          </a:p>
+          <a:p>
+            <a:r>
+              <a:rPr lang="ru-RU" i="1" dirty="0"/>
+              <a:t>7) </a:t>
+            </a:r>
+            <a:r>
+              <a:rPr lang="ru-RU" i="1" dirty="0" smtClean="0"/>
+              <a:t>Рассчитать значение </a:t>
+            </a:r>
+            <a:r>
+              <a:rPr lang="en-US" b="1" i="1" dirty="0" smtClean="0"/>
+              <a:t>y</a:t>
+            </a:r>
+            <a:r>
+              <a:rPr lang="ru-RU" i="1" dirty="0" smtClean="0"/>
+              <a:t>, </a:t>
+            </a:r>
+            <a:r>
+              <a:rPr lang="ru-RU" i="1" dirty="0"/>
+              <a:t>при любых введённых значениях </a:t>
+            </a:r>
+            <a:r>
+              <a:rPr lang="ru-RU" b="1" i="1" dirty="0"/>
+              <a:t>а</a:t>
+            </a:r>
+            <a:r>
+              <a:rPr lang="ru-RU" i="1" dirty="0"/>
+              <a:t>: </a:t>
+            </a:r>
+          </a:p>
+        </p:txBody>
+      </p:sp>
     </p:spTree>
     <p:extLst>
       <p:ext uri="{BB962C8B-B14F-4D97-AF65-F5344CB8AC3E}">
-        <p14:creationId xmlns:p14="http://schemas.microsoft.com/office/powerpoint/2010/main" val="3707896211"/>
+        <p14:creationId xmlns:p14="http://schemas.microsoft.com/office/powerpoint/2010/main" val="532668222"/>
       </p:ext>
     </p:extLst>
   </p:cSld>
@@ -8390,17 +8429,12 @@
             </a:pPr>
             <a:r>
               <a:rPr lang="ru-RU" sz="2800" b="1" dirty="0"/>
-              <a:t>Переменные </a:t>
-            </a:r>
-            <a:r>
-              <a:rPr lang="ru-RU" sz="2800" b="1" dirty="0"/>
-              <a:t>и</a:t>
+              <a:t>Переменные и</a:t>
             </a:r>
             <a:r>
               <a:rPr lang="ru-RU" sz="2800" b="1" dirty="0" smtClean="0"/>
               <a:t> операции</a:t>
             </a:r>
-            <a:endParaRPr lang="ru-RU" sz="2800" b="1" dirty="0" smtClean="0"/>
           </a:p>
           <a:p>
             <a:pPr>
@@ -8654,11 +8688,7 @@
           <a:p>
             <a:r>
               <a:rPr lang="ru-RU" sz="2400" b="1" dirty="0" smtClean="0"/>
-              <a:t>Основы </a:t>
-            </a:r>
-            <a:r>
-              <a:rPr lang="ru-RU" sz="2400" b="1" dirty="0" smtClean="0"/>
-              <a:t>программирования</a:t>
+              <a:t>Основы программирования</a:t>
             </a:r>
             <a:endParaRPr lang="ru-RU" sz="2400" b="1" dirty="0"/>
           </a:p>
@@ -8776,6 +8806,382 @@
     <p:extLst>
       <p:ext uri="{BB962C8B-B14F-4D97-AF65-F5344CB8AC3E}">
         <p14:creationId xmlns:p14="http://schemas.microsoft.com/office/powerpoint/2010/main" val="3583132255"/>
+      </p:ext>
+    </p:extLst>
+  </p:cSld>
+  <p:clrMapOvr>
+    <a:masterClrMapping/>
+  </p:clrMapOvr>
+  <p:timing>
+    <p:tnLst>
+      <p:par>
+        <p:cTn id="1" dur="indefinite" restart="never" nodeType="tmRoot"/>
+      </p:par>
+    </p:tnLst>
+  </p:timing>
+</p:sld>
+</file>
+
+<file path=ppt/slides/slide30.xml><?xml version="1.0" encoding="utf-8"?>
+<p:sld xmlns:a="http://schemas.openxmlformats.org/drawingml/2006/main" xmlns:r="http://schemas.openxmlformats.org/officeDocument/2006/relationships" xmlns:p="http://schemas.openxmlformats.org/presentationml/2006/main">
+  <p:cSld>
+    <p:spTree>
+      <p:nvGrpSpPr>
+        <p:cNvPr id="1" name=""/>
+        <p:cNvGrpSpPr/>
+        <p:nvPr/>
+      </p:nvGrpSpPr>
+      <p:grpSpPr>
+        <a:xfrm>
+          <a:off x="0" y="0"/>
+          <a:ext cx="0" cy="0"/>
+          <a:chOff x="0" y="0"/>
+          <a:chExt cx="0" cy="0"/>
+        </a:xfrm>
+      </p:grpSpPr>
+      <p:sp>
+        <p:nvSpPr>
+          <p:cNvPr id="5" name="Прямоугольник 4"/>
+          <p:cNvSpPr/>
+          <p:nvPr/>
+        </p:nvSpPr>
+        <p:spPr>
+          <a:xfrm>
+            <a:off x="0" y="0"/>
+            <a:ext cx="12192000" cy="6858000"/>
+          </a:xfrm>
+          <a:prstGeom prst="rect">
+            <a:avLst/>
+          </a:prstGeom>
+          <a:solidFill>
+            <a:schemeClr val="tx2">
+              <a:lumMod val="75000"/>
+            </a:schemeClr>
+          </a:solidFill>
+        </p:spPr>
+        <p:style>
+          <a:lnRef idx="2">
+            <a:schemeClr val="accent1">
+              <a:shade val="50000"/>
+            </a:schemeClr>
+          </a:lnRef>
+          <a:fillRef idx="1">
+            <a:schemeClr val="accent1"/>
+          </a:fillRef>
+          <a:effectRef idx="0">
+            <a:schemeClr val="accent1"/>
+          </a:effectRef>
+          <a:fontRef idx="minor">
+            <a:schemeClr val="lt1"/>
+          </a:fontRef>
+        </p:style>
+        <p:txBody>
+          <a:bodyPr rtlCol="0" anchor="ctr"/>
+          <a:lstStyle/>
+          <a:p>
+            <a:pPr algn="ctr"/>
+            <a:r>
+              <a:rPr lang="ru-RU" sz="6600" b="1" dirty="0"/>
+              <a:t>К следующему </a:t>
+            </a:r>
+          </a:p>
+          <a:p>
+            <a:pPr algn="ctr"/>
+            <a:r>
+              <a:rPr lang="ru-RU" sz="6600" b="1" dirty="0"/>
+              <a:t>занятию…</a:t>
+            </a:r>
+            <a:endParaRPr lang="uk-UA" sz="6600" b="1" dirty="0"/>
+          </a:p>
+        </p:txBody>
+      </p:sp>
+    </p:spTree>
+    <p:extLst>
+      <p:ext uri="{BB962C8B-B14F-4D97-AF65-F5344CB8AC3E}">
+        <p14:creationId xmlns:p14="http://schemas.microsoft.com/office/powerpoint/2010/main" val="3620372157"/>
+      </p:ext>
+    </p:extLst>
+  </p:cSld>
+  <p:clrMapOvr>
+    <a:masterClrMapping/>
+  </p:clrMapOvr>
+  <p:timing>
+    <p:tnLst>
+      <p:par>
+        <p:cTn id="1" dur="indefinite" restart="never" nodeType="tmRoot"/>
+      </p:par>
+    </p:tnLst>
+  </p:timing>
+</p:sld>
+</file>
+
+<file path=ppt/slides/slide31.xml><?xml version="1.0" encoding="utf-8"?>
+<p:sld xmlns:a="http://schemas.openxmlformats.org/drawingml/2006/main" xmlns:r="http://schemas.openxmlformats.org/officeDocument/2006/relationships" xmlns:p="http://schemas.openxmlformats.org/presentationml/2006/main">
+  <p:cSld>
+    <p:spTree>
+      <p:nvGrpSpPr>
+        <p:cNvPr id="1" name=""/>
+        <p:cNvGrpSpPr/>
+        <p:nvPr/>
+      </p:nvGrpSpPr>
+      <p:grpSpPr>
+        <a:xfrm>
+          <a:off x="0" y="0"/>
+          <a:ext cx="0" cy="0"/>
+          <a:chOff x="0" y="0"/>
+          <a:chExt cx="0" cy="0"/>
+        </a:xfrm>
+      </p:grpSpPr>
+      <p:sp>
+        <p:nvSpPr>
+          <p:cNvPr id="8" name="Номер слайда 36"/>
+          <p:cNvSpPr txBox="1">
+            <a:spLocks/>
+          </p:cNvSpPr>
+          <p:nvPr/>
+        </p:nvSpPr>
+        <p:spPr>
+          <a:xfrm>
+            <a:off x="11352584" y="6237312"/>
+            <a:ext cx="648072" cy="432048"/>
+          </a:xfrm>
+          <a:prstGeom prst="roundRect">
+            <a:avLst/>
+          </a:prstGeom>
+          <a:ln w="25400" cap="flat" cmpd="sng" algn="ctr">
+            <a:solidFill>
+              <a:schemeClr val="tx2">
+                <a:lumMod val="60000"/>
+                <a:lumOff val="40000"/>
+              </a:schemeClr>
+            </a:solidFill>
+            <a:prstDash val="solid"/>
+          </a:ln>
+        </p:spPr>
+        <p:style>
+          <a:lnRef idx="2">
+            <a:schemeClr val="accent1"/>
+          </a:lnRef>
+          <a:fillRef idx="1">
+            <a:schemeClr val="lt1"/>
+          </a:fillRef>
+          <a:effectRef idx="0">
+            <a:schemeClr val="accent1"/>
+          </a:effectRef>
+          <a:fontRef idx="minor">
+            <a:schemeClr val="dk1"/>
+          </a:fontRef>
+        </p:style>
+        <p:txBody>
+          <a:bodyPr vert="horz" lIns="91440" tIns="45720" rIns="91440" bIns="45720" rtlCol="0" anchor="ctr"/>
+          <a:lstStyle/>
+          <a:p>
+            <a:pPr algn="ctr">
+              <a:defRPr/>
+            </a:pPr>
+            <a:fld id="{6389AA22-90B4-448C-8B6B-C699140D38B9}" type="slidenum">
+              <a:rPr lang="uk-UA" sz="2400" b="1">
+                <a:solidFill>
+                  <a:schemeClr val="bg1">
+                    <a:lumMod val="50000"/>
+                  </a:schemeClr>
+                </a:solidFill>
+              </a:rPr>
+              <a:pPr algn="ctr">
+                <a:defRPr/>
+              </a:pPr>
+              <a:t>31</a:t>
+            </a:fld>
+            <a:endParaRPr lang="uk-UA" sz="2400" b="1" dirty="0">
+              <a:solidFill>
+                <a:schemeClr val="bg1">
+                  <a:lumMod val="50000"/>
+                </a:schemeClr>
+              </a:solidFill>
+            </a:endParaRPr>
+          </a:p>
+        </p:txBody>
+      </p:sp>
+      <p:sp>
+        <p:nvSpPr>
+          <p:cNvPr id="9" name="Прямоугольник 8"/>
+          <p:cNvSpPr/>
+          <p:nvPr/>
+        </p:nvSpPr>
+        <p:spPr>
+          <a:xfrm>
+            <a:off x="0" y="452572"/>
+            <a:ext cx="12192000" cy="707886"/>
+          </a:xfrm>
+          <a:prstGeom prst="rect">
+            <a:avLst/>
+          </a:prstGeom>
+        </p:spPr>
+        <p:txBody>
+          <a:bodyPr wrap="square">
+            <a:spAutoFit/>
+          </a:bodyPr>
+          <a:lstStyle/>
+          <a:p>
+            <a:pPr algn="ctr"/>
+            <a:r>
+              <a:rPr lang="ru-RU" sz="4000" b="1" dirty="0" smtClean="0"/>
+              <a:t>Условные операторы</a:t>
+            </a:r>
+            <a:endParaRPr lang="ru-RU" sz="4000" i="1" dirty="0"/>
+          </a:p>
+        </p:txBody>
+      </p:sp>
+      <p:sp>
+        <p:nvSpPr>
+          <p:cNvPr id="10" name="TextBox 9"/>
+          <p:cNvSpPr txBox="1"/>
+          <p:nvPr/>
+        </p:nvSpPr>
+        <p:spPr>
+          <a:xfrm>
+            <a:off x="7752184" y="1735938"/>
+            <a:ext cx="3672408" cy="3170099"/>
+          </a:xfrm>
+          <a:prstGeom prst="rect">
+            <a:avLst/>
+          </a:prstGeom>
+          <a:noFill/>
+        </p:spPr>
+        <p:txBody>
+          <a:bodyPr wrap="square" rtlCol="0">
+            <a:spAutoFit/>
+          </a:bodyPr>
+          <a:lstStyle/>
+          <a:p>
+            <a:r>
+              <a:rPr lang="ru-RU" sz="2500" b="1" dirty="0">
+                <a:solidFill>
+                  <a:srgbClr val="7030A0"/>
+                </a:solidFill>
+              </a:rPr>
+              <a:t>Предварительные знания – лучший помощник</a:t>
+            </a:r>
+            <a:r>
+              <a:rPr lang="ru-RU" sz="2500" dirty="0"/>
+              <a:t> в обучении, поэтому к следующему занятию жду, что </a:t>
+            </a:r>
+            <a:r>
+              <a:rPr lang="ru-RU" sz="2500" b="1" dirty="0">
+                <a:solidFill>
+                  <a:srgbClr val="00B050"/>
+                </a:solidFill>
+              </a:rPr>
+              <a:t>посмотрите небольшой ролик </a:t>
+            </a:r>
+            <a:r>
+              <a:rPr lang="ru-RU" sz="2500" b="1" dirty="0" smtClean="0">
+                <a:solidFill>
+                  <a:srgbClr val="00B050"/>
+                </a:solidFill>
+              </a:rPr>
+              <a:t>об условных операторах.</a:t>
+            </a:r>
+            <a:endParaRPr lang="uk-UA" sz="2500" dirty="0">
+              <a:solidFill>
+                <a:srgbClr val="00B050"/>
+              </a:solidFill>
+            </a:endParaRPr>
+          </a:p>
+        </p:txBody>
+      </p:sp>
+      <p:sp>
+        <p:nvSpPr>
+          <p:cNvPr id="11" name="Прямоугольник 10"/>
+          <p:cNvSpPr/>
+          <p:nvPr/>
+        </p:nvSpPr>
+        <p:spPr>
+          <a:xfrm>
+            <a:off x="-24680" y="5589240"/>
+            <a:ext cx="12192000" cy="523220"/>
+          </a:xfrm>
+          <a:prstGeom prst="rect">
+            <a:avLst/>
+          </a:prstGeom>
+        </p:spPr>
+        <p:txBody>
+          <a:bodyPr wrap="square">
+            <a:spAutoFit/>
+          </a:bodyPr>
+          <a:lstStyle/>
+          <a:p>
+            <a:pPr algn="ctr"/>
+            <a:r>
+              <a:rPr lang="en-US" sz="2800" b="1" dirty="0">
+                <a:hlinkClick r:id="rId2"/>
+              </a:rPr>
+              <a:t>https://</a:t>
+            </a:r>
+            <a:r>
+              <a:rPr lang="en-US" sz="2800" b="1" dirty="0" smtClean="0">
+                <a:hlinkClick r:id="rId2"/>
+              </a:rPr>
+              <a:t>youtu.be/N6MSUrc8oH4</a:t>
+            </a:r>
+            <a:endParaRPr lang="uk-UA" sz="2800" b="1" dirty="0"/>
+          </a:p>
+        </p:txBody>
+      </p:sp>
+      <p:pic>
+        <p:nvPicPr>
+          <p:cNvPr id="2050" name="Picture 2" descr="Ð ÐµÐ·ÑÐ»ÑÑÐ°Ñ Ð¿Ð¾ÑÑÐºÑ Ð·Ð¾Ð±ÑÐ°Ð¶ÐµÐ½Ñ Ð·Ð° Ð·Ð°Ð¿Ð¸ÑÐ¾Ð¼ &quot;if else&quot;"/>
+          <p:cNvPicPr>
+            <a:picLocks noChangeAspect="1" noChangeArrowheads="1"/>
+          </p:cNvPicPr>
+          <p:nvPr/>
+        </p:nvPicPr>
+        <p:blipFill>
+          <a:blip r:embed="rId3">
+            <a:extLst>
+              <a:ext uri="{28A0092B-C50C-407E-A947-70E740481C1C}">
+                <a14:useLocalDpi xmlns:a14="http://schemas.microsoft.com/office/drawing/2010/main" val="0"/>
+              </a:ext>
+            </a:extLst>
+          </a:blip>
+          <a:srcRect/>
+          <a:stretch>
+            <a:fillRect/>
+          </a:stretch>
+        </p:blipFill>
+        <p:spPr bwMode="auto">
+          <a:xfrm>
+            <a:off x="727682" y="1725486"/>
+            <a:ext cx="6592454" cy="3240360"/>
+          </a:xfrm>
+          <a:prstGeom prst="rect">
+            <a:avLst/>
+          </a:prstGeom>
+          <a:ln>
+            <a:noFill/>
+          </a:ln>
+          <a:effectLst>
+            <a:outerShdw blurRad="292100" dist="139700" dir="2700000" algn="tl" rotWithShape="0">
+              <a:srgbClr val="333333">
+                <a:alpha val="65000"/>
+              </a:srgbClr>
+            </a:outerShdw>
+          </a:effectLst>
+          <a:extLst>
+            <a:ext uri="{909E8E84-426E-40DD-AFC4-6F175D3DCCD1}">
+              <a14:hiddenFill xmlns:a14="http://schemas.microsoft.com/office/drawing/2010/main">
+                <a:solidFill>
+                  <a:srgbClr val="FFFFFF"/>
+                </a:solidFill>
+              </a14:hiddenFill>
+            </a:ext>
+          </a:extLst>
+        </p:spPr>
+      </p:pic>
+    </p:spTree>
+    <p:extLst>
+      <p:ext uri="{BB962C8B-B14F-4D97-AF65-F5344CB8AC3E}">
+        <p14:creationId xmlns:p14="http://schemas.microsoft.com/office/powerpoint/2010/main" val="3707896211"/>
       </p:ext>
     </p:extLst>
   </p:cSld>
